--- a/lectures/day6.pptx
+++ b/lectures/day6.pptx
@@ -232,7 +232,7 @@
           <a:p>
             <a:fld id="{4922F6A9-38DD-3B46-AAEF-EDD9ADCC1A11}" type="datetimeFigureOut">
               <a:rPr lang="en-US" smtClean="0"/>
-              <a:t>1/17/12</a:t>
+              <a:t>1/18/12</a:t>
             </a:fld>
             <a:endParaRPr lang="en-US"/>
           </a:p>
@@ -2029,7 +2029,7 @@
           <a:p>
             <a:fld id="{59BADCDA-136E-A249-B0B4-9A94F50E73E9}" type="datetimeFigureOut">
               <a:rPr lang="en-US" smtClean="0"/>
-              <a:t>1/16/12</a:t>
+              <a:t>1/18/12</a:t>
             </a:fld>
             <a:endParaRPr lang="en-US"/>
           </a:p>
@@ -2199,7 +2199,7 @@
           <a:p>
             <a:fld id="{59BADCDA-136E-A249-B0B4-9A94F50E73E9}" type="datetimeFigureOut">
               <a:rPr lang="en-US" smtClean="0"/>
-              <a:t>1/16/12</a:t>
+              <a:t>1/18/12</a:t>
             </a:fld>
             <a:endParaRPr lang="en-US"/>
           </a:p>
@@ -2379,7 +2379,7 @@
           <a:p>
             <a:fld id="{59BADCDA-136E-A249-B0B4-9A94F50E73E9}" type="datetimeFigureOut">
               <a:rPr lang="en-US" smtClean="0"/>
-              <a:t>1/16/12</a:t>
+              <a:t>1/18/12</a:t>
             </a:fld>
             <a:endParaRPr lang="en-US"/>
           </a:p>
@@ -2549,7 +2549,7 @@
           <a:p>
             <a:fld id="{59BADCDA-136E-A249-B0B4-9A94F50E73E9}" type="datetimeFigureOut">
               <a:rPr lang="en-US" smtClean="0"/>
-              <a:t>1/16/12</a:t>
+              <a:t>1/18/12</a:t>
             </a:fld>
             <a:endParaRPr lang="en-US"/>
           </a:p>
@@ -2795,7 +2795,7 @@
           <a:p>
             <a:fld id="{59BADCDA-136E-A249-B0B4-9A94F50E73E9}" type="datetimeFigureOut">
               <a:rPr lang="en-US" smtClean="0"/>
-              <a:t>1/16/12</a:t>
+              <a:t>1/18/12</a:t>
             </a:fld>
             <a:endParaRPr lang="en-US"/>
           </a:p>
@@ -3083,7 +3083,7 @@
           <a:p>
             <a:fld id="{59BADCDA-136E-A249-B0B4-9A94F50E73E9}" type="datetimeFigureOut">
               <a:rPr lang="en-US" smtClean="0"/>
-              <a:t>1/16/12</a:t>
+              <a:t>1/18/12</a:t>
             </a:fld>
             <a:endParaRPr lang="en-US"/>
           </a:p>
@@ -3505,7 +3505,7 @@
           <a:p>
             <a:fld id="{59BADCDA-136E-A249-B0B4-9A94F50E73E9}" type="datetimeFigureOut">
               <a:rPr lang="en-US" smtClean="0"/>
-              <a:t>1/16/12</a:t>
+              <a:t>1/18/12</a:t>
             </a:fld>
             <a:endParaRPr lang="en-US"/>
           </a:p>
@@ -3623,7 +3623,7 @@
           <a:p>
             <a:fld id="{59BADCDA-136E-A249-B0B4-9A94F50E73E9}" type="datetimeFigureOut">
               <a:rPr lang="en-US" smtClean="0"/>
-              <a:t>1/16/12</a:t>
+              <a:t>1/18/12</a:t>
             </a:fld>
             <a:endParaRPr lang="en-US"/>
           </a:p>
@@ -3718,7 +3718,7 @@
           <a:p>
             <a:fld id="{59BADCDA-136E-A249-B0B4-9A94F50E73E9}" type="datetimeFigureOut">
               <a:rPr lang="en-US" smtClean="0"/>
-              <a:t>1/16/12</a:t>
+              <a:t>1/18/12</a:t>
             </a:fld>
             <a:endParaRPr lang="en-US"/>
           </a:p>
@@ -3995,7 +3995,7 @@
           <a:p>
             <a:fld id="{59BADCDA-136E-A249-B0B4-9A94F50E73E9}" type="datetimeFigureOut">
               <a:rPr lang="en-US" smtClean="0"/>
-              <a:t>1/16/12</a:t>
+              <a:t>1/18/12</a:t>
             </a:fld>
             <a:endParaRPr lang="en-US"/>
           </a:p>
@@ -4248,7 +4248,7 @@
           <a:p>
             <a:fld id="{59BADCDA-136E-A249-B0B4-9A94F50E73E9}" type="datetimeFigureOut">
               <a:rPr lang="en-US" smtClean="0"/>
-              <a:t>1/16/12</a:t>
+              <a:t>1/18/12</a:t>
             </a:fld>
             <a:endParaRPr lang="en-US"/>
           </a:p>
@@ -4461,7 +4461,7 @@
           <a:p>
             <a:fld id="{59BADCDA-136E-A249-B0B4-9A94F50E73E9}" type="datetimeFigureOut">
               <a:rPr lang="en-US" smtClean="0"/>
-              <a:t>1/16/12</a:t>
+              <a:t>1/18/12</a:t>
             </a:fld>
             <a:endParaRPr lang="en-US"/>
           </a:p>
@@ -4962,11 +4962,11 @@
   <p:clrMapOvr>
     <a:masterClrMapping/>
   </p:clrMapOvr>
-  <mc:AlternateContent xmlns:mc="http://schemas.openxmlformats.org/markup-compatibility/2006">
-    <mc:Choice xmlns:p14="http://schemas.microsoft.com/office/powerpoint/2010/main" Requires="p14">
+  <mc:AlternateContent xmlns:mc="http://schemas.openxmlformats.org/markup-compatibility/2006" xmlns:p14="http://schemas.microsoft.com/office/powerpoint/2010/main">
+    <mc:Choice Requires="p14">
       <p:transition spd="slow" p14:dur="2000"/>
     </mc:Choice>
-    <mc:Fallback>
+    <mc:Fallback xmlns="">
       <p:transition xmlns:p14="http://schemas.microsoft.com/office/powerpoint/2010/main" spd="slow"/>
     </mc:Fallback>
   </mc:AlternateContent>
@@ -7300,17 +7300,17 @@
           </a:prstGeom>
         </p:spPr>
         <p:style>
-          <a:lnRef idx="2">
-            <a:schemeClr val="accent1"/>
+          <a:lnRef idx="3">
+            <a:schemeClr val="lt1"/>
           </a:lnRef>
           <a:fillRef idx="1">
+            <a:schemeClr val="accent3"/>
+          </a:fillRef>
+          <a:effectRef idx="1">
+            <a:schemeClr val="accent3"/>
+          </a:effectRef>
+          <a:fontRef idx="minor">
             <a:schemeClr val="lt1"/>
-          </a:fillRef>
-          <a:effectRef idx="0">
-            <a:schemeClr val="accent1"/>
-          </a:effectRef>
-          <a:fontRef idx="minor">
-            <a:schemeClr val="dk1"/>
           </a:fontRef>
         </p:style>
         <p:txBody>
@@ -7319,10 +7319,18 @@
           <a:p>
             <a:pPr algn="ctr"/>
             <a:r>
-              <a:rPr lang="en-US" dirty="0" smtClean="0"/>
+              <a:rPr lang="en-US" dirty="0" smtClean="0">
+                <a:solidFill>
+                  <a:schemeClr val="bg1"/>
+                </a:solidFill>
+              </a:rPr>
               <a:t>Data Product</a:t>
             </a:r>
-            <a:endParaRPr lang="en-US" dirty="0"/>
+            <a:endParaRPr lang="en-US" dirty="0">
+              <a:solidFill>
+                <a:schemeClr val="bg1"/>
+              </a:solidFill>
+            </a:endParaRPr>
           </a:p>
         </p:txBody>
       </p:sp>
@@ -7443,6 +7451,9 @@
             <a:avLst/>
           </a:prstGeom>
           <a:ln w="57150" cmpd="sng">
+            <a:solidFill>
+              <a:schemeClr val="accent3"/>
+            </a:solidFill>
             <a:tailEnd type="arrow"/>
           </a:ln>
         </p:spPr>
@@ -7921,7 +7932,7 @@
 </file>
 
 <file path=ppt/slides/slide17.xml><?xml version="1.0" encoding="utf-8"?>
-<p:sld xmlns:a="http://schemas.openxmlformats.org/drawingml/2006/main" xmlns:r="http://schemas.openxmlformats.org/officeDocument/2006/relationships" xmlns:p="http://schemas.openxmlformats.org/presentationml/2006/main">
+<p:sld xmlns:a="http://schemas.openxmlformats.org/drawingml/2006/main" xmlns:r="http://schemas.openxmlformats.org/officeDocument/2006/relationships" xmlns:p="http://schemas.openxmlformats.org/presentationml/2006/main" show="0">
   <p:cSld>
     <p:spTree>
       <p:nvGrpSpPr>
@@ -8351,6 +8362,14 @@
   <p:clrMapOvr>
     <a:masterClrMapping/>
   </p:clrMapOvr>
+  <mc:AlternateContent xmlns:mc="http://schemas.openxmlformats.org/markup-compatibility/2006">
+    <mc:Choice xmlns:p14="http://schemas.microsoft.com/office/powerpoint/2010/main" Requires="p14">
+      <p:transition spd="slow" p14:dur="2000"/>
+    </mc:Choice>
+    <mc:Fallback>
+      <p:transition xmlns:p14="http://schemas.microsoft.com/office/powerpoint/2010/main" spd="slow"/>
+    </mc:Fallback>
+  </mc:AlternateContent>
   <p:timing>
     <p:tnLst>
       <p:par>
@@ -8843,7 +8862,7 @@
 </file>
 
 <file path=ppt/slides/slide19.xml><?xml version="1.0" encoding="utf-8"?>
-<p:sld xmlns:a="http://schemas.openxmlformats.org/drawingml/2006/main" xmlns:r="http://schemas.openxmlformats.org/officeDocument/2006/relationships" xmlns:p="http://schemas.openxmlformats.org/presentationml/2006/main">
+<p:sld xmlns:a="http://schemas.openxmlformats.org/drawingml/2006/main" xmlns:r="http://schemas.openxmlformats.org/officeDocument/2006/relationships" xmlns:p="http://schemas.openxmlformats.org/presentationml/2006/main" show="0">
   <p:cSld>
     <p:spTree>
       <p:nvGrpSpPr>
@@ -8933,6 +8952,14 @@
   <p:clrMapOvr>
     <a:masterClrMapping/>
   </p:clrMapOvr>
+  <mc:AlternateContent xmlns:mc="http://schemas.openxmlformats.org/markup-compatibility/2006">
+    <mc:Choice xmlns:p14="http://schemas.microsoft.com/office/powerpoint/2010/main" Requires="p14">
+      <p:transition spd="slow" p14:dur="2000"/>
+    </mc:Choice>
+    <mc:Fallback>
+      <p:transition xmlns:p14="http://schemas.microsoft.com/office/powerpoint/2010/main" spd="slow"/>
+    </mc:Fallback>
+  </mc:AlternateContent>
   <p:timing>
     <p:tnLst>
       <p:par>
@@ -8994,11 +9021,11 @@
   <p:clrMapOvr>
     <a:masterClrMapping/>
   </p:clrMapOvr>
-  <mc:AlternateContent xmlns:mc="http://schemas.openxmlformats.org/markup-compatibility/2006">
-    <mc:Choice xmlns:p14="http://schemas.microsoft.com/office/powerpoint/2010/main" Requires="p14">
+  <mc:AlternateContent xmlns:mc="http://schemas.openxmlformats.org/markup-compatibility/2006" xmlns:p14="http://schemas.microsoft.com/office/powerpoint/2010/main">
+    <mc:Choice Requires="p14">
       <p:transition spd="slow" p14:dur="2000"/>
     </mc:Choice>
-    <mc:Fallback>
+    <mc:Fallback xmlns="">
       <p:transition xmlns:p14="http://schemas.microsoft.com/office/powerpoint/2010/main" spd="slow"/>
     </mc:Fallback>
   </mc:AlternateContent>
@@ -9453,6 +9480,14 @@
   <p:clrMapOvr>
     <a:masterClrMapping/>
   </p:clrMapOvr>
+  <mc:AlternateContent xmlns:mc="http://schemas.openxmlformats.org/markup-compatibility/2006">
+    <mc:Choice xmlns:p14="http://schemas.microsoft.com/office/powerpoint/2010/main" Requires="p14">
+      <p:transition spd="slow" p14:dur="2000"/>
+    </mc:Choice>
+    <mc:Fallback>
+      <p:transition xmlns:p14="http://schemas.microsoft.com/office/powerpoint/2010/main" spd="slow"/>
+    </mc:Fallback>
+  </mc:AlternateContent>
   <p:timing>
     <p:tnLst>
       <p:par>
@@ -9536,16 +9571,50 @@
           <a:p>
             <a:r>
               <a:rPr lang="en-US" dirty="0" smtClean="0"/>
-              <a:t>Web Crawling</a:t>
+              <a:t>Web </a:t>
+            </a:r>
+            <a:r>
+              <a:rPr lang="en-US" dirty="0" smtClean="0"/>
+              <a:t>Crawling/Scraping</a:t>
             </a:r>
           </a:p>
           <a:p>
             <a:pPr lvl="1"/>
             <a:r>
-              <a:rPr lang="cs-CZ" dirty="0" smtClean="0">
+              <a:rPr lang="en-US" dirty="0">
                 <a:hlinkClick r:id="rId3"/>
               </a:rPr>
-              <a:t>http://nutch.apache.org/</a:t>
+              <a:t>https://</a:t>
+            </a:r>
+            <a:r>
+              <a:rPr lang="en-US" dirty="0" smtClean="0">
+                <a:hlinkClick r:id="rId3"/>
+              </a:rPr>
+              <a:t>scraperwiki.com</a:t>
+            </a:r>
+            <a:r>
+              <a:rPr lang="en-US" dirty="0"/>
+              <a:t> </a:t>
+            </a:r>
+            <a:endParaRPr lang="en-US" dirty="0" smtClean="0"/>
+          </a:p>
+          <a:p>
+            <a:pPr lvl="1"/>
+            <a:r>
+              <a:rPr lang="cs-CZ" dirty="0" smtClean="0">
+                <a:hlinkClick r:id="rId4"/>
+              </a:rPr>
+              <a:t>http://</a:t>
+            </a:r>
+            <a:r>
+              <a:rPr lang="cs-CZ" dirty="0" smtClean="0">
+                <a:hlinkClick r:id="rId4"/>
+              </a:rPr>
+              <a:t>nutch.apache.org</a:t>
+            </a:r>
+            <a:r>
+              <a:rPr lang="cs-CZ" dirty="0" smtClean="0"/>
+              <a:t> </a:t>
             </a:r>
             <a:endParaRPr lang="cs-CZ" dirty="0" smtClean="0"/>
           </a:p>
@@ -9909,7 +9978,7 @@
           <p:nvPr/>
         </p:nvPicPr>
         <p:blipFill>
-          <a:blip r:embed="rId4"/>
+          <a:blip r:embed="rId5"/>
           <a:stretch>
             <a:fillRect/>
           </a:stretch>
@@ -9933,7 +10002,7 @@
           <p:nvPr/>
         </p:nvPicPr>
         <p:blipFill>
-          <a:blip r:embed="rId5"/>
+          <a:blip r:embed="rId6"/>
           <a:stretch>
             <a:fillRect/>
           </a:stretch>
@@ -9958,6 +10027,13 @@
   <p:clrMapOvr>
     <a:masterClrMapping/>
   </p:clrMapOvr>
+  <p:timing>
+    <p:tnLst>
+      <p:par>
+        <p:cTn xmlns:p14="http://schemas.microsoft.com/office/powerpoint/2010/main" id="1" dur="indefinite" restart="never" nodeType="tmRoot"/>
+      </p:par>
+    </p:tnLst>
+  </p:timing>
 </p:sld>
 </file>
 
@@ -10049,7 +10125,7 @@
           <a:p>
             <a:pPr lvl="1"/>
             <a:r>
-              <a:rPr lang="en-US" dirty="0" err="1"/>
+              <a:rPr lang="en-US" dirty="0" err="1" smtClean="0"/>
               <a:t>p</a:t>
             </a:r>
             <a:r>
@@ -10075,16 +10151,28 @@
           <a:p>
             <a:pPr lvl="1"/>
             <a:r>
-              <a:rPr lang="en-US" dirty="0" err="1" smtClean="0"/>
-              <a:t>flowingdata.com</a:t>
+              <a:rPr lang="en-US" dirty="0" smtClean="0">
+                <a:hlinkClick r:id="rId2"/>
+              </a:rPr>
+              <a:t>http://flowingdata.com</a:t>
+            </a:r>
+            <a:r>
+              <a:rPr lang="en-US" dirty="0"/>
+              <a:t> </a:t>
             </a:r>
             <a:endParaRPr lang="en-US" dirty="0" smtClean="0"/>
           </a:p>
           <a:p>
             <a:pPr lvl="1"/>
             <a:r>
+              <a:rPr lang="ro-RO" dirty="0" smtClean="0">
+                <a:hlinkClick r:id="rId3"/>
+              </a:rPr>
+              <a:t>http://infosthetics.com</a:t>
+            </a:r>
+            <a:r>
               <a:rPr lang="ro-RO" dirty="0" smtClean="0"/>
-              <a:t>infosthetics.com/</a:t>
+              <a:t>  </a:t>
             </a:r>
             <a:endParaRPr lang="en-US" dirty="0" smtClean="0"/>
           </a:p>
@@ -10101,9 +10189,19 @@
             </a:r>
             <a:r>
               <a:rPr lang="hu-HU" dirty="0" smtClean="0">
-                <a:hlinkClick r:id="rId2"/>
+                <a:hlinkClick r:id="rId4"/>
               </a:rPr>
-              <a:t>http://cs171.org/</a:t>
+              <a:t>http://cs171.</a:t>
+            </a:r>
+            <a:r>
+              <a:rPr lang="hu-HU" dirty="0" smtClean="0">
+                <a:hlinkClick r:id="rId4"/>
+              </a:rPr>
+              <a:t>org</a:t>
+            </a:r>
+            <a:r>
+              <a:rPr lang="hu-HU" dirty="0" smtClean="0"/>
+              <a:t> </a:t>
             </a:r>
             <a:endParaRPr lang="hu-HU" dirty="0" smtClean="0"/>
           </a:p>
@@ -10471,6 +10569,13 @@
   <p:clrMapOvr>
     <a:masterClrMapping/>
   </p:clrMapOvr>
+  <p:timing>
+    <p:tnLst>
+      <p:par>
+        <p:cTn xmlns:p14="http://schemas.microsoft.com/office/powerpoint/2010/main" id="1" dur="indefinite" restart="never" nodeType="tmRoot"/>
+      </p:par>
+    </p:tnLst>
+  </p:timing>
 </p:sld>
 </file>
 
@@ -10550,11 +10655,19 @@
             <a:pPr lvl="1"/>
             <a:r>
               <a:rPr lang="en-US" dirty="0" smtClean="0"/>
-              <a:t>T-tests, </a:t>
-            </a:r>
-            <a:r>
-              <a:rPr lang="en-US" dirty="0" err="1" smtClean="0"/>
-              <a:t>Anova</a:t>
+              <a:t>T</a:t>
+            </a:r>
+            <a:r>
+              <a:rPr lang="en-US" dirty="0" smtClean="0"/>
+              <a:t>-Tests</a:t>
+            </a:r>
+            <a:r>
+              <a:rPr lang="en-US" dirty="0" smtClean="0"/>
+              <a:t>, </a:t>
+            </a:r>
+            <a:r>
+              <a:rPr lang="en-US" dirty="0" smtClean="0"/>
+              <a:t>ANOVA</a:t>
             </a:r>
             <a:endParaRPr lang="en-US" dirty="0" smtClean="0"/>
           </a:p>
@@ -10602,8 +10715,14 @@
           </a:p>
           <a:p>
             <a:r>
-              <a:rPr lang="en-US" dirty="0" err="1" smtClean="0"/>
-              <a:t>statistics.mit.edu</a:t>
+              <a:rPr lang="en-US" dirty="0" smtClean="0">
+                <a:hlinkClick r:id="rId3"/>
+              </a:rPr>
+              <a:t>http://statistics.mit.edu</a:t>
+            </a:r>
+            <a:r>
+              <a:rPr lang="en-US" dirty="0" smtClean="0"/>
+              <a:t> </a:t>
             </a:r>
             <a:endParaRPr lang="en-US" dirty="0" smtClean="0"/>
           </a:p>
@@ -11055,8 +11174,26 @@
           </a:p>
           <a:p>
             <a:r>
-              <a:rPr lang="en-US" dirty="0" err="1" smtClean="0"/>
-              <a:t>www.ml-class.org</a:t>
+              <a:rPr lang="en-US" dirty="0" smtClean="0">
+                <a:hlinkClick r:id="rId3"/>
+              </a:rPr>
+              <a:t>http://www.ml</a:t>
+            </a:r>
+            <a:r>
+              <a:rPr lang="en-US" dirty="0" smtClean="0">
+                <a:hlinkClick r:id="rId3"/>
+              </a:rPr>
+              <a:t>-</a:t>
+            </a:r>
+            <a:r>
+              <a:rPr lang="en-US" dirty="0" smtClean="0">
+                <a:hlinkClick r:id="rId3"/>
+              </a:rPr>
+              <a:t>class.org</a:t>
+            </a:r>
+            <a:r>
+              <a:rPr lang="en-US" dirty="0" smtClean="0"/>
+              <a:t> </a:t>
             </a:r>
             <a:endParaRPr lang="en-US" dirty="0" smtClean="0"/>
           </a:p>
@@ -11614,17 +11751,17 @@
           </a:prstGeom>
         </p:spPr>
         <p:style>
-          <a:lnRef idx="2">
-            <a:schemeClr val="accent1"/>
+          <a:lnRef idx="3">
+            <a:schemeClr val="lt1"/>
           </a:lnRef>
           <a:fillRef idx="1">
+            <a:schemeClr val="accent1"/>
+          </a:fillRef>
+          <a:effectRef idx="1">
+            <a:schemeClr val="accent1"/>
+          </a:effectRef>
+          <a:fontRef idx="minor">
             <a:schemeClr val="lt1"/>
-          </a:fillRef>
-          <a:effectRef idx="0">
-            <a:schemeClr val="accent1"/>
-          </a:effectRef>
-          <a:fontRef idx="minor">
-            <a:schemeClr val="dk1"/>
           </a:fontRef>
         </p:style>
         <p:txBody>
@@ -12325,13 +12462,17 @@
               <a:rPr lang="en-US" dirty="0" smtClean="0"/>
               <a:t>Social Network Analysis</a:t>
             </a:r>
+          </a:p>
+          <a:p>
+            <a:r>
+              <a:rPr lang="en-US" dirty="0" smtClean="0"/>
+              <a:t>Web data mining </a:t>
+            </a:r>
+            <a:r>
+              <a:rPr lang="en-US" dirty="0" smtClean="0"/>
+              <a:t>MIT Course</a:t>
+            </a:r>
             <a:endParaRPr lang="en-US" dirty="0" smtClean="0"/>
-          </a:p>
-          <a:p>
-            <a:r>
-              <a:rPr lang="en-US" dirty="0" smtClean="0"/>
-              <a:t>Web data mining </a:t>
-            </a:r>
           </a:p>
           <a:p>
             <a:pPr lvl="1"/>
@@ -12350,20 +12491,20 @@
           </a:p>
           <a:p>
             <a:r>
+              <a:rPr lang="nl-NL" sz="2200" dirty="0" smtClean="0">
+                <a:hlinkClick r:id="rId3"/>
+              </a:rPr>
+              <a:t>http://www.stats.ox.ac.uk/~snijders/</a:t>
+            </a:r>
+            <a:r>
+              <a:rPr lang="nl-NL" sz="2200" dirty="0" smtClean="0">
+                <a:hlinkClick r:id="rId3"/>
+              </a:rPr>
+              <a:t>sna_course.htm</a:t>
+            </a:r>
+            <a:r>
               <a:rPr lang="nl-NL" sz="2200" dirty="0" smtClean="0"/>
-              <a:t>http://</a:t>
-            </a:r>
-            <a:r>
-              <a:rPr lang="nl-NL" sz="2200" dirty="0" err="1" smtClean="0"/>
-              <a:t>www.stats.ox.ac.uk</a:t>
-            </a:r>
-            <a:r>
-              <a:rPr lang="nl-NL" sz="2200" dirty="0" smtClean="0"/>
-              <a:t>/~snijders/</a:t>
-            </a:r>
-            <a:r>
-              <a:rPr lang="nl-NL" sz="2200" dirty="0" err="1" smtClean="0"/>
-              <a:t>sna_course.htm</a:t>
+              <a:t> </a:t>
             </a:r>
             <a:endParaRPr lang="en-US" dirty="0" smtClean="0"/>
           </a:p>
@@ -12533,17 +12674,17 @@
           </a:prstGeom>
         </p:spPr>
         <p:style>
-          <a:lnRef idx="2">
-            <a:schemeClr val="accent1"/>
+          <a:lnRef idx="3">
+            <a:schemeClr val="lt1"/>
           </a:lnRef>
           <a:fillRef idx="1">
+            <a:schemeClr val="accent1"/>
+          </a:fillRef>
+          <a:effectRef idx="1">
+            <a:schemeClr val="accent1"/>
+          </a:effectRef>
+          <a:fontRef idx="minor">
             <a:schemeClr val="lt1"/>
-          </a:fillRef>
-          <a:effectRef idx="0">
-            <a:schemeClr val="accent1"/>
-          </a:effectRef>
-          <a:fontRef idx="minor">
-            <a:schemeClr val="dk1"/>
           </a:fontRef>
         </p:style>
         <p:txBody>
@@ -12869,11 +13010,7 @@
           <a:p>
             <a:r>
               <a:rPr lang="en-US" dirty="0" smtClean="0"/>
-              <a:t>MIT </a:t>
-            </a:r>
-            <a:r>
-              <a:rPr lang="en-US" dirty="0" smtClean="0"/>
-              <a:t>6.864/6.863J</a:t>
+              <a:t>MIT 6.864/6.863J</a:t>
             </a:r>
           </a:p>
         </p:txBody>
@@ -13120,17 +13257,17 @@
           </a:prstGeom>
         </p:spPr>
         <p:style>
-          <a:lnRef idx="2">
-            <a:schemeClr val="accent1"/>
+          <a:lnRef idx="3">
+            <a:schemeClr val="lt1"/>
           </a:lnRef>
           <a:fillRef idx="1">
+            <a:schemeClr val="accent1"/>
+          </a:fillRef>
+          <a:effectRef idx="1">
+            <a:schemeClr val="accent1"/>
+          </a:effectRef>
+          <a:fontRef idx="minor">
             <a:schemeClr val="lt1"/>
-          </a:fillRef>
-          <a:effectRef idx="0">
-            <a:schemeClr val="accent1"/>
-          </a:effectRef>
-          <a:fontRef idx="minor">
-            <a:schemeClr val="dk1"/>
           </a:fontRef>
         </p:style>
         <p:txBody>
@@ -13302,7 +13439,11 @@
           <a:p>
             <a:r>
               <a:rPr lang="en-US" dirty="0" smtClean="0"/>
-              <a:t>Implements a lot of what we did</a:t>
+              <a:t>SQL Implements </a:t>
+            </a:r>
+            <a:r>
+              <a:rPr lang="en-US" dirty="0" smtClean="0"/>
+              <a:t>a lot of what we did</a:t>
             </a:r>
           </a:p>
           <a:p>
@@ -13333,20 +13474,20 @@
               <a:rPr lang="en-US" dirty="0" smtClean="0"/>
               <a:t>Summarizing</a:t>
             </a:r>
+          </a:p>
+          <a:p>
+            <a:r>
+              <a:rPr lang="en-US" dirty="0" smtClean="0"/>
+              <a:t>Specialized system to do this</a:t>
+            </a:r>
+          </a:p>
+          <a:p>
+            <a:pPr lvl="1"/>
+            <a:r>
+              <a:rPr lang="en-US" dirty="0" smtClean="0"/>
+              <a:t>SQL databases, Hive, Pig</a:t>
+            </a:r>
             <a:endParaRPr lang="en-US" dirty="0" smtClean="0"/>
-          </a:p>
-          <a:p>
-            <a:r>
-              <a:rPr lang="en-US" dirty="0" smtClean="0"/>
-              <a:t>Specialized system to do this</a:t>
-            </a:r>
-          </a:p>
-          <a:p>
-            <a:pPr lvl="1"/>
-            <a:r>
-              <a:rPr lang="en-US" dirty="0" smtClean="0"/>
-              <a:t>SQL</a:t>
-            </a:r>
           </a:p>
           <a:p>
             <a:pPr lvl="1"/>
@@ -13939,6 +14080,13 @@
   <p:clrMapOvr>
     <a:masterClrMapping/>
   </p:clrMapOvr>
+  <p:timing>
+    <p:tnLst>
+      <p:par>
+        <p:cTn xmlns:p14="http://schemas.microsoft.com/office/powerpoint/2010/main" id="1" dur="indefinite" restart="never" nodeType="tmRoot"/>
+      </p:par>
+    </p:tnLst>
+  </p:timing>
 </p:sld>
 </file>
 
@@ -13976,7 +14124,7 @@
           <a:p>
             <a:r>
               <a:rPr lang="en-US" dirty="0" smtClean="0"/>
-              <a:t>Other Courses</a:t>
+              <a:t>Berkeley Also Has a Class!</a:t>
             </a:r>
             <a:endParaRPr lang="en-US" dirty="0"/>
           </a:p>
@@ -13992,16 +14140,46 @@
             <p:ph idx="1"/>
           </p:nvPr>
         </p:nvSpPr>
-        <p:spPr/>
+        <p:spPr>
+          <a:xfrm>
+            <a:off x="2662168" y="1600201"/>
+            <a:ext cx="3899816" cy="1663414"/>
+          </a:xfrm>
+        </p:spPr>
         <p:txBody>
           <a:bodyPr/>
           <a:lstStyle/>
           <a:p>
+            <a:pPr marL="0" indent="0">
+              <a:buNone/>
+            </a:pPr>
+            <a:endParaRPr lang="it-IT" dirty="0" smtClean="0"/>
+          </a:p>
+          <a:p>
+            <a:pPr marL="0" indent="0">
+              <a:buNone/>
+            </a:pPr>
             <a:r>
               <a:rPr lang="it-IT" dirty="0" smtClean="0">
                 <a:hlinkClick r:id="rId2"/>
               </a:rPr>
-              <a:t>http://datascienc.es/</a:t>
+              <a:t>http</a:t>
+            </a:r>
+            <a:r>
+              <a:rPr lang="it-IT" dirty="0" smtClean="0">
+                <a:hlinkClick r:id="rId2"/>
+              </a:rPr>
+              <a:t>://</a:t>
+            </a:r>
+            <a:r>
+              <a:rPr lang="it-IT" dirty="0" smtClean="0">
+                <a:hlinkClick r:id="rId2"/>
+              </a:rPr>
+              <a:t>datascienc.es</a:t>
+            </a:r>
+            <a:r>
+              <a:rPr lang="it-IT" dirty="0" smtClean="0"/>
+              <a:t> </a:t>
             </a:r>
             <a:endParaRPr lang="it-IT" dirty="0" smtClean="0"/>
           </a:p>
@@ -14105,9 +14283,41 @@
             </a:r>
             <a:r>
               <a:rPr lang="en-US" dirty="0" err="1" smtClean="0"/>
-              <a:t>hackathons</a:t>
-            </a:r>
-            <a:endParaRPr lang="en-US" dirty="0"/>
+              <a:t>hackathon</a:t>
+            </a:r>
+            <a:r>
+              <a:rPr lang="en-US" dirty="0"/>
+              <a:t> </a:t>
+            </a:r>
+            <a:endParaRPr lang="en-US" dirty="0" smtClean="0"/>
+          </a:p>
+          <a:p>
+            <a:pPr marL="914400" lvl="2" indent="0">
+              <a:buNone/>
+            </a:pPr>
+            <a:r>
+              <a:rPr lang="en-US" dirty="0" smtClean="0">
+                <a:hlinkClick r:id="rId2"/>
+              </a:rPr>
+              <a:t>http</a:t>
+            </a:r>
+            <a:r>
+              <a:rPr lang="en-US" dirty="0">
+                <a:hlinkClick r:id="rId2"/>
+              </a:rPr>
+              <a:t>://transportclub.mit.edu/</a:t>
+            </a:r>
+            <a:r>
+              <a:rPr lang="en-US" dirty="0" smtClean="0">
+                <a:hlinkClick r:id="rId2"/>
+              </a:rPr>
+              <a:t>hackathon</a:t>
+            </a:r>
+            <a:r>
+              <a:rPr lang="en-US" dirty="0"/>
+              <a:t> </a:t>
+            </a:r>
+            <a:endParaRPr lang="it-IT" dirty="0"/>
           </a:p>
         </p:txBody>
       </p:sp>
@@ -14418,11 +14628,11 @@
   <p:clrMapOvr>
     <a:masterClrMapping/>
   </p:clrMapOvr>
-  <mc:AlternateContent xmlns:mc="http://schemas.openxmlformats.org/markup-compatibility/2006">
-    <mc:Choice xmlns:p14="http://schemas.microsoft.com/office/powerpoint/2010/main" Requires="p14">
+  <mc:AlternateContent xmlns:mc="http://schemas.openxmlformats.org/markup-compatibility/2006" xmlns:p14="http://schemas.microsoft.com/office/powerpoint/2010/main">
+    <mc:Choice Requires="p14">
       <p:transition spd="slow" p14:dur="2000"/>
     </mc:Choice>
-    <mc:Fallback>
+    <mc:Fallback xmlns="">
       <p:transition xmlns:p14="http://schemas.microsoft.com/office/powerpoint/2010/main" spd="slow"/>
     </mc:Fallback>
   </mc:AlternateContent>
@@ -14581,11 +14791,11 @@
   <p:clrMapOvr>
     <a:masterClrMapping/>
   </p:clrMapOvr>
-  <mc:AlternateContent xmlns:mc="http://schemas.openxmlformats.org/markup-compatibility/2006">
-    <mc:Choice xmlns:p14="http://schemas.microsoft.com/office/powerpoint/2010/main" Requires="p14">
+  <mc:AlternateContent xmlns:mc="http://schemas.openxmlformats.org/markup-compatibility/2006" xmlns:p14="http://schemas.microsoft.com/office/powerpoint/2010/main">
+    <mc:Choice Requires="p14">
       <p:transition spd="slow" p14:dur="2000"/>
     </mc:Choice>
-    <mc:Fallback>
+    <mc:Fallback xmlns="">
       <p:transition xmlns:p14="http://schemas.microsoft.com/office/powerpoint/2010/main" spd="slow"/>
     </mc:Fallback>
   </mc:AlternateContent>
@@ -14703,11 +14913,11 @@
   <p:clrMapOvr>
     <a:masterClrMapping/>
   </p:clrMapOvr>
-  <mc:AlternateContent xmlns:mc="http://schemas.openxmlformats.org/markup-compatibility/2006">
-    <mc:Choice xmlns:p14="http://schemas.microsoft.com/office/powerpoint/2010/main" Requires="p14">
+  <mc:AlternateContent xmlns:mc="http://schemas.openxmlformats.org/markup-compatibility/2006" xmlns:p14="http://schemas.microsoft.com/office/powerpoint/2010/main">
+    <mc:Choice Requires="p14">
       <p:transition spd="slow" p14:dur="2000"/>
     </mc:Choice>
-    <mc:Fallback>
+    <mc:Fallback xmlns="">
       <p:transition xmlns:p14="http://schemas.microsoft.com/office/powerpoint/2010/main" spd="slow"/>
     </mc:Fallback>
   </mc:AlternateContent>
@@ -14834,11 +15044,11 @@
   <p:clrMapOvr>
     <a:masterClrMapping/>
   </p:clrMapOvr>
-  <mc:AlternateContent xmlns:mc="http://schemas.openxmlformats.org/markup-compatibility/2006">
-    <mc:Choice xmlns:p14="http://schemas.microsoft.com/office/powerpoint/2010/main" Requires="p14">
+  <mc:AlternateContent xmlns:mc="http://schemas.openxmlformats.org/markup-compatibility/2006" xmlns:p14="http://schemas.microsoft.com/office/powerpoint/2010/main">
+    <mc:Choice Requires="p14">
       <p:transition spd="slow" p14:dur="2000"/>
     </mc:Choice>
-    <mc:Fallback>
+    <mc:Fallback xmlns="">
       <p:transition xmlns:p14="http://schemas.microsoft.com/office/powerpoint/2010/main" spd="slow"/>
     </mc:Fallback>
   </mc:AlternateContent>
@@ -14978,11 +15188,11 @@
   <p:clrMapOvr>
     <a:masterClrMapping/>
   </p:clrMapOvr>
-  <mc:AlternateContent xmlns:mc="http://schemas.openxmlformats.org/markup-compatibility/2006">
-    <mc:Choice xmlns:p14="http://schemas.microsoft.com/office/powerpoint/2010/main" Requires="p14">
+  <mc:AlternateContent xmlns:mc="http://schemas.openxmlformats.org/markup-compatibility/2006" xmlns:p14="http://schemas.microsoft.com/office/powerpoint/2010/main">
+    <mc:Choice Requires="p14">
       <p:transition spd="slow" p14:dur="2000"/>
     </mc:Choice>
-    <mc:Fallback>
+    <mc:Fallback xmlns="">
       <p:transition xmlns:p14="http://schemas.microsoft.com/office/powerpoint/2010/main" spd="slow"/>
     </mc:Fallback>
   </mc:AlternateContent>
@@ -15109,11 +15319,11 @@
   <p:clrMapOvr>
     <a:masterClrMapping/>
   </p:clrMapOvr>
-  <mc:AlternateContent xmlns:mc="http://schemas.openxmlformats.org/markup-compatibility/2006">
-    <mc:Choice xmlns:p14="http://schemas.microsoft.com/office/powerpoint/2010/main" Requires="p14">
+  <mc:AlternateContent xmlns:mc="http://schemas.openxmlformats.org/markup-compatibility/2006" xmlns:p14="http://schemas.microsoft.com/office/powerpoint/2010/main">
+    <mc:Choice Requires="p14">
       <p:transition spd="slow" p14:dur="2000"/>
     </mc:Choice>
-    <mc:Fallback>
+    <mc:Fallback xmlns="">
       <p:transition xmlns:p14="http://schemas.microsoft.com/office/powerpoint/2010/main" spd="slow"/>
     </mc:Fallback>
   </mc:AlternateContent>
@@ -15195,6 +15405,13 @@
   <p:clrMapOvr>
     <a:masterClrMapping/>
   </p:clrMapOvr>
+  <p:timing>
+    <p:tnLst>
+      <p:par>
+        <p:cTn xmlns:p14="http://schemas.microsoft.com/office/powerpoint/2010/main" id="1" dur="indefinite" restart="never" nodeType="tmRoot"/>
+      </p:par>
+    </p:tnLst>
+  </p:timing>
 </p:sld>
 </file>
 
@@ -15287,11 +15504,11 @@
   <p:clrMapOvr>
     <a:masterClrMapping/>
   </p:clrMapOvr>
-  <mc:AlternateContent xmlns:mc="http://schemas.openxmlformats.org/markup-compatibility/2006">
-    <mc:Choice xmlns:p14="http://schemas.microsoft.com/office/powerpoint/2010/main" Requires="p14">
+  <mc:AlternateContent xmlns:mc="http://schemas.openxmlformats.org/markup-compatibility/2006" xmlns:p14="http://schemas.microsoft.com/office/powerpoint/2010/main">
+    <mc:Choice Requires="p14">
       <p:transition spd="slow" p14:dur="2000"/>
     </mc:Choice>
-    <mc:Fallback>
+    <mc:Fallback xmlns="">
       <p:transition xmlns:p14="http://schemas.microsoft.com/office/powerpoint/2010/main" spd="slow"/>
     </mc:Fallback>
   </mc:AlternateContent>
@@ -15396,11 +15613,11 @@
   <p:clrMapOvr>
     <a:masterClrMapping/>
   </p:clrMapOvr>
-  <mc:AlternateContent xmlns:mc="http://schemas.openxmlformats.org/markup-compatibility/2006">
-    <mc:Choice xmlns:p14="http://schemas.microsoft.com/office/powerpoint/2010/main" Requires="p14">
+  <mc:AlternateContent xmlns:mc="http://schemas.openxmlformats.org/markup-compatibility/2006" xmlns:p14="http://schemas.microsoft.com/office/powerpoint/2010/main">
+    <mc:Choice Requires="p14">
       <p:transition spd="slow" p14:dur="2000"/>
     </mc:Choice>
-    <mc:Fallback>
+    <mc:Fallback xmlns="">
       <p:transition xmlns:p14="http://schemas.microsoft.com/office/powerpoint/2010/main" spd="slow"/>
     </mc:Fallback>
   </mc:AlternateContent>
